--- a/Shared/[FastCampus] 2주차_강의자료_김경원박사.pptx
+++ b/Shared/[FastCampus] 2주차_강의자료_김경원박사.pptx
@@ -5,10 +5,10 @@
     <p:sldMasterId id="2147483648" r:id="rId1"/>
   </p:sldMasterIdLst>
   <p:notesMasterIdLst>
-    <p:notesMasterId r:id="rId21"/>
+    <p:notesMasterId r:id="rId22"/>
   </p:notesMasterIdLst>
   <p:handoutMasterIdLst>
-    <p:handoutMasterId r:id="rId22"/>
+    <p:handoutMasterId r:id="rId23"/>
   </p:handoutMasterIdLst>
   <p:sldIdLst>
     <p:sldId id="1063" r:id="rId2"/>
@@ -29,15 +29,16 @@
     <p:sldId id="1086" r:id="rId17"/>
     <p:sldId id="1088" r:id="rId18"/>
     <p:sldId id="1089" r:id="rId19"/>
-    <p:sldId id="1062" r:id="rId20"/>
+    <p:sldId id="1134" r:id="rId20"/>
+    <p:sldId id="1062" r:id="rId21"/>
   </p:sldIdLst>
   <p:sldSz cx="12160250" cy="6840538"/>
   <p:notesSz cx="9874250" cy="6797675"/>
   <p:embeddedFontLst>
     <p:embeddedFont>
       <p:font typeface="맑은 고딕" panose="020B0503020000020004" pitchFamily="50" charset="-127"/>
-      <p:regular r:id="rId23"/>
-      <p:bold r:id="rId24"/>
+      <p:regular r:id="rId24"/>
+      <p:bold r:id="rId25"/>
     </p:embeddedFont>
   </p:embeddedFontLst>
   <p:defaultTextStyle>
@@ -250,7 +251,7 @@
           <a:p>
             <a:fld id="{FC718EE8-BF93-4A17-BED5-FC99EECA5FC7}" type="datetimeFigureOut">
               <a:rPr lang="ko-KR" altLang="en-US" smtClean="0"/>
-              <a:t>2019-07-15</a:t>
+              <a:t>2019-07-21</a:t>
             </a:fld>
             <a:endParaRPr lang="ko-KR" altLang="en-US"/>
           </a:p>
@@ -415,7 +416,7 @@
           <a:p>
             <a:fld id="{6101F873-BA02-446B-9127-C4DE4310B943}" type="datetimeFigureOut">
               <a:rPr lang="ko-KR" altLang="en-US" smtClean="0"/>
-              <a:t>2019-07-15</a:t>
+              <a:t>2019-07-21</a:t>
             </a:fld>
             <a:endParaRPr lang="ko-KR" altLang="en-US"/>
           </a:p>
@@ -945,7 +946,7 @@
           <a:p>
             <a:fld id="{89B5E594-86C5-4F1D-8812-38DF40064943}" type="datetime1">
               <a:rPr lang="ko-KR" altLang="en-US" smtClean="0"/>
-              <a:t>2019-07-15</a:t>
+              <a:t>2019-07-21</a:t>
             </a:fld>
             <a:endParaRPr lang="ko-KR" altLang="en-US"/>
           </a:p>
@@ -1153,7 +1154,7 @@
           <a:p>
             <a:fld id="{05C0B17C-522D-4CD8-8139-01EDEBAB2AF6}" type="datetime1">
               <a:rPr lang="ko-KR" altLang="en-US" smtClean="0"/>
-              <a:t>2019-07-15</a:t>
+              <a:t>2019-07-21</a:t>
             </a:fld>
             <a:endParaRPr lang="ko-KR" altLang="en-US"/>
           </a:p>
@@ -1331,7 +1332,7 @@
           <a:p>
             <a:fld id="{7345261C-38F3-40E7-AAA6-CE27B727AA65}" type="datetime1">
               <a:rPr lang="ko-KR" altLang="en-US" smtClean="0"/>
-              <a:t>2019-07-15</a:t>
+              <a:t>2019-07-21</a:t>
             </a:fld>
             <a:endParaRPr lang="ko-KR" altLang="en-US"/>
           </a:p>
@@ -1499,7 +1500,7 @@
           <a:p>
             <a:fld id="{A8472951-AD8C-47B8-8787-30E2F4BFA1EA}" type="datetime1">
               <a:rPr lang="ko-KR" altLang="en-US" smtClean="0"/>
-              <a:t>2019-07-15</a:t>
+              <a:t>2019-07-21</a:t>
             </a:fld>
             <a:endParaRPr lang="ko-KR" altLang="en-US"/>
           </a:p>
@@ -1754,7 +1755,7 @@
           <a:p>
             <a:fld id="{8BCB1BBF-13D1-46E6-8B8B-C9F26A0BAD91}" type="datetime1">
               <a:rPr lang="ko-KR" altLang="en-US" smtClean="0"/>
-              <a:t>2019-07-15</a:t>
+              <a:t>2019-07-21</a:t>
             </a:fld>
             <a:endParaRPr lang="ko-KR" altLang="en-US"/>
           </a:p>
@@ -2039,7 +2040,7 @@
           <a:p>
             <a:fld id="{B16FDC3D-FD6A-49DF-B101-11717D57279F}" type="datetime1">
               <a:rPr lang="ko-KR" altLang="en-US" smtClean="0"/>
-              <a:t>2019-07-15</a:t>
+              <a:t>2019-07-21</a:t>
             </a:fld>
             <a:endParaRPr lang="ko-KR" altLang="en-US"/>
           </a:p>
@@ -2458,7 +2459,7 @@
           <a:p>
             <a:fld id="{42D411A2-FD90-4A19-98A8-25197A66BC26}" type="datetime1">
               <a:rPr lang="ko-KR" altLang="en-US" smtClean="0"/>
-              <a:t>2019-07-15</a:t>
+              <a:t>2019-07-21</a:t>
             </a:fld>
             <a:endParaRPr lang="ko-KR" altLang="en-US"/>
           </a:p>
@@ -2575,7 +2576,7 @@
           <a:p>
             <a:fld id="{F6E6B532-6471-449A-9A2F-4428556C2F98}" type="datetime1">
               <a:rPr lang="ko-KR" altLang="en-US" smtClean="0"/>
-              <a:t>2019-07-15</a:t>
+              <a:t>2019-07-21</a:t>
             </a:fld>
             <a:endParaRPr lang="ko-KR" altLang="en-US"/>
           </a:p>
@@ -2670,7 +2671,7 @@
           <a:p>
             <a:fld id="{45A9E13B-856D-4562-A86D-A2B6F7BF810F}" type="datetime1">
               <a:rPr lang="ko-KR" altLang="en-US" smtClean="0"/>
-              <a:t>2019-07-15</a:t>
+              <a:t>2019-07-21</a:t>
             </a:fld>
             <a:endParaRPr lang="ko-KR" altLang="en-US"/>
           </a:p>
@@ -2945,7 +2946,7 @@
           <a:p>
             <a:fld id="{A672FB3A-7E9E-4380-9381-6FCA87FBB41A}" type="datetime1">
               <a:rPr lang="ko-KR" altLang="en-US" smtClean="0"/>
-              <a:t>2019-07-15</a:t>
+              <a:t>2019-07-21</a:t>
             </a:fld>
             <a:endParaRPr lang="ko-KR" altLang="en-US"/>
           </a:p>
@@ -3197,7 +3198,7 @@
           <a:p>
             <a:fld id="{3948CCBA-1514-4E9E-888A-807450F810B0}" type="datetime1">
               <a:rPr lang="ko-KR" altLang="en-US" smtClean="0"/>
-              <a:t>2019-07-15</a:t>
+              <a:t>2019-07-21</a:t>
             </a:fld>
             <a:endParaRPr lang="ko-KR" altLang="en-US"/>
           </a:p>
@@ -3410,7 +3411,7 @@
           <a:p>
             <a:fld id="{170EDEE7-370E-499F-B978-ABF387098974}" type="datetime1">
               <a:rPr lang="ko-KR" altLang="en-US" smtClean="0"/>
-              <a:t>2019-07-15</a:t>
+              <a:t>2019-07-21</a:t>
             </a:fld>
             <a:endParaRPr lang="ko-KR" altLang="en-US" dirty="0"/>
           </a:p>
@@ -5880,6 +5881,752 @@
       </p:grpSpPr>
       <p:sp>
         <p:nvSpPr>
+          <p:cNvPr id="5" name="제목 4"/>
+          <p:cNvSpPr>
+            <a:spLocks noGrp="1"/>
+          </p:cNvSpPr>
+          <p:nvPr>
+            <p:ph type="title"/>
+          </p:nvPr>
+        </p:nvSpPr>
+        <p:spPr>
+          <a:xfrm>
+            <a:off x="608012" y="2700189"/>
+            <a:ext cx="10944225" cy="1140090"/>
+          </a:xfrm>
+        </p:spPr>
+        <p:txBody>
+          <a:bodyPr>
+            <a:noAutofit/>
+          </a:bodyPr>
+          <a:lstStyle/>
+          <a:p>
+            <a:pPr algn="l"/>
+            <a:r>
+              <a:rPr lang="en-US" altLang="ko-KR" sz="4000" b="1" dirty="0">
+                <a:solidFill>
+                  <a:schemeClr val="tx1">
+                    <a:lumMod val="75000"/>
+                    <a:lumOff val="25000"/>
+                  </a:schemeClr>
+                </a:solidFill>
+                <a:latin typeface="Noto Sans CJK KR Black" pitchFamily="34" charset="-127"/>
+                <a:ea typeface="Noto Sans CJK KR Black" pitchFamily="34" charset="-127"/>
+              </a:rPr>
+              <a:t>&lt;Quiz&gt;</a:t>
+            </a:r>
+            <a:br>
+              <a:rPr lang="en-US" altLang="ko-KR" sz="3200" dirty="0">
+                <a:solidFill>
+                  <a:schemeClr val="tx1">
+                    <a:lumMod val="75000"/>
+                    <a:lumOff val="25000"/>
+                  </a:schemeClr>
+                </a:solidFill>
+                <a:latin typeface="Noto Sans CJK KR Black" pitchFamily="34" charset="-127"/>
+                <a:ea typeface="Noto Sans CJK KR Black" pitchFamily="34" charset="-127"/>
+              </a:rPr>
+            </a:br>
+            <a:br>
+              <a:rPr lang="en-US" altLang="ko-KR" sz="3200" dirty="0">
+                <a:solidFill>
+                  <a:schemeClr val="tx1">
+                    <a:lumMod val="75000"/>
+                    <a:lumOff val="25000"/>
+                  </a:schemeClr>
+                </a:solidFill>
+                <a:latin typeface="Noto Sans CJK KR Black" pitchFamily="34" charset="-127"/>
+                <a:ea typeface="Noto Sans CJK KR Black" pitchFamily="34" charset="-127"/>
+              </a:rPr>
+            </a:br>
+            <a:r>
+              <a:rPr lang="en-US" altLang="ko-KR" sz="2400" dirty="0">
+                <a:solidFill>
+                  <a:schemeClr val="tx1">
+                    <a:lumMod val="75000"/>
+                    <a:lumOff val="25000"/>
+                  </a:schemeClr>
+                </a:solidFill>
+                <a:latin typeface="Noto Sans CJK KR Black" pitchFamily="34" charset="-127"/>
+                <a:ea typeface="Noto Sans CJK KR Black" pitchFamily="34" charset="-127"/>
+              </a:rPr>
+              <a:t>1. </a:t>
+            </a:r>
+            <a:r>
+              <a:rPr lang="ko-KR" altLang="en-US" sz="2400" dirty="0">
+                <a:solidFill>
+                  <a:schemeClr val="tx1">
+                    <a:lumMod val="75000"/>
+                    <a:lumOff val="25000"/>
+                  </a:schemeClr>
+                </a:solidFill>
+                <a:latin typeface="Noto Sans CJK KR Black" pitchFamily="34" charset="-127"/>
+                <a:ea typeface="Noto Sans CJK KR Black" pitchFamily="34" charset="-127"/>
+              </a:rPr>
+              <a:t>알고리즘은 큰 분류로 </a:t>
+            </a:r>
+            <a:r>
+              <a:rPr lang="en-US" altLang="ko-KR" sz="2400" dirty="0">
+                <a:solidFill>
+                  <a:schemeClr val="tx1">
+                    <a:lumMod val="75000"/>
+                    <a:lumOff val="25000"/>
+                  </a:schemeClr>
+                </a:solidFill>
+                <a:latin typeface="Noto Sans CJK KR Black" pitchFamily="34" charset="-127"/>
+                <a:ea typeface="Noto Sans CJK KR Black" pitchFamily="34" charset="-127"/>
+              </a:rPr>
+              <a:t>Supervised / Unsupervised / Semi-supervised</a:t>
+            </a:r>
+            <a:r>
+              <a:rPr lang="ko-KR" altLang="en-US" sz="2400" dirty="0">
+                <a:solidFill>
+                  <a:schemeClr val="tx1">
+                    <a:lumMod val="75000"/>
+                    <a:lumOff val="25000"/>
+                  </a:schemeClr>
+                </a:solidFill>
+                <a:latin typeface="Noto Sans CJK KR Black" pitchFamily="34" charset="-127"/>
+                <a:ea typeface="Noto Sans CJK KR Black" pitchFamily="34" charset="-127"/>
+              </a:rPr>
+              <a:t>가 있다</a:t>
+            </a:r>
+            <a:r>
+              <a:rPr lang="en-US" altLang="ko-KR" sz="2400" dirty="0">
+                <a:solidFill>
+                  <a:schemeClr val="tx1">
+                    <a:lumMod val="75000"/>
+                    <a:lumOff val="25000"/>
+                  </a:schemeClr>
+                </a:solidFill>
+                <a:latin typeface="Noto Sans CJK KR Black" pitchFamily="34" charset="-127"/>
+                <a:ea typeface="Noto Sans CJK KR Black" pitchFamily="34" charset="-127"/>
+              </a:rPr>
+              <a:t>. </a:t>
+            </a:r>
+            <a:r>
+              <a:rPr lang="ko-KR" altLang="en-US" sz="2400" dirty="0">
+                <a:solidFill>
+                  <a:schemeClr val="tx1">
+                    <a:lumMod val="75000"/>
+                    <a:lumOff val="25000"/>
+                  </a:schemeClr>
+                </a:solidFill>
+                <a:latin typeface="Noto Sans CJK KR Black" pitchFamily="34" charset="-127"/>
+                <a:ea typeface="Noto Sans CJK KR Black" pitchFamily="34" charset="-127"/>
+              </a:rPr>
+              <a:t>서로의 차이점을 설명하라</a:t>
+            </a:r>
+            <a:r>
+              <a:rPr lang="en-US" altLang="ko-KR" sz="2400" dirty="0">
+                <a:solidFill>
+                  <a:schemeClr val="tx1">
+                    <a:lumMod val="75000"/>
+                    <a:lumOff val="25000"/>
+                  </a:schemeClr>
+                </a:solidFill>
+                <a:latin typeface="Noto Sans CJK KR Black" pitchFamily="34" charset="-127"/>
+                <a:ea typeface="Noto Sans CJK KR Black" pitchFamily="34" charset="-127"/>
+              </a:rPr>
+              <a:t>.</a:t>
+            </a:r>
+            <a:br>
+              <a:rPr lang="en-US" altLang="ko-KR" sz="2400" dirty="0">
+                <a:solidFill>
+                  <a:schemeClr val="tx1">
+                    <a:lumMod val="75000"/>
+                    <a:lumOff val="25000"/>
+                  </a:schemeClr>
+                </a:solidFill>
+                <a:latin typeface="Noto Sans CJK KR Black" pitchFamily="34" charset="-127"/>
+                <a:ea typeface="Noto Sans CJK KR Black" pitchFamily="34" charset="-127"/>
+              </a:rPr>
+            </a:br>
+            <a:br>
+              <a:rPr lang="en-US" altLang="ko-KR" sz="2400" dirty="0">
+                <a:solidFill>
+                  <a:schemeClr val="tx1">
+                    <a:lumMod val="75000"/>
+                    <a:lumOff val="25000"/>
+                  </a:schemeClr>
+                </a:solidFill>
+                <a:latin typeface="Noto Sans CJK KR Black" pitchFamily="34" charset="-127"/>
+                <a:ea typeface="Noto Sans CJK KR Black" pitchFamily="34" charset="-127"/>
+              </a:rPr>
+            </a:br>
+            <a:br>
+              <a:rPr lang="en-US" altLang="ko-KR" sz="2400" dirty="0">
+                <a:solidFill>
+                  <a:schemeClr val="tx1">
+                    <a:lumMod val="75000"/>
+                    <a:lumOff val="25000"/>
+                  </a:schemeClr>
+                </a:solidFill>
+                <a:latin typeface="Noto Sans CJK KR Black" pitchFamily="34" charset="-127"/>
+                <a:ea typeface="Noto Sans CJK KR Black" pitchFamily="34" charset="-127"/>
+              </a:rPr>
+            </a:br>
+            <a:br>
+              <a:rPr lang="en-US" altLang="ko-KR" sz="2400" dirty="0">
+                <a:solidFill>
+                  <a:schemeClr val="tx1">
+                    <a:lumMod val="75000"/>
+                    <a:lumOff val="25000"/>
+                  </a:schemeClr>
+                </a:solidFill>
+                <a:latin typeface="Noto Sans CJK KR Black" pitchFamily="34" charset="-127"/>
+                <a:ea typeface="Noto Sans CJK KR Black" pitchFamily="34" charset="-127"/>
+              </a:rPr>
+            </a:br>
+            <a:r>
+              <a:rPr lang="en-US" altLang="ko-KR" sz="2400" dirty="0">
+                <a:solidFill>
+                  <a:schemeClr val="tx1">
+                    <a:lumMod val="75000"/>
+                    <a:lumOff val="25000"/>
+                  </a:schemeClr>
+                </a:solidFill>
+                <a:latin typeface="Noto Sans CJK KR Black" pitchFamily="34" charset="-127"/>
+                <a:ea typeface="Noto Sans CJK KR Black" pitchFamily="34" charset="-127"/>
+              </a:rPr>
+              <a:t>2. </a:t>
+            </a:r>
+            <a:r>
+              <a:rPr lang="ko-KR" altLang="en-US" sz="2400" dirty="0">
+                <a:solidFill>
+                  <a:schemeClr val="tx1">
+                    <a:lumMod val="75000"/>
+                    <a:lumOff val="25000"/>
+                  </a:schemeClr>
+                </a:solidFill>
+                <a:latin typeface="Noto Sans CJK KR Black" pitchFamily="34" charset="-127"/>
+                <a:ea typeface="Noto Sans CJK KR Black" pitchFamily="34" charset="-127"/>
+              </a:rPr>
+              <a:t>시계열 변수</a:t>
+            </a:r>
+            <a:r>
+              <a:rPr lang="en-US" altLang="ko-KR" sz="2400" dirty="0">
+                <a:solidFill>
+                  <a:schemeClr val="tx1">
+                    <a:lumMod val="75000"/>
+                    <a:lumOff val="25000"/>
+                  </a:schemeClr>
+                </a:solidFill>
+                <a:latin typeface="Noto Sans CJK KR Black" pitchFamily="34" charset="-127"/>
+                <a:ea typeface="Noto Sans CJK KR Black" pitchFamily="34" charset="-127"/>
+              </a:rPr>
+              <a:t>(Feature)</a:t>
+            </a:r>
+            <a:r>
+              <a:rPr lang="ko-KR" altLang="en-US" sz="2400" dirty="0">
+                <a:solidFill>
+                  <a:schemeClr val="tx1">
+                    <a:lumMod val="75000"/>
+                    <a:lumOff val="25000"/>
+                  </a:schemeClr>
+                </a:solidFill>
+                <a:latin typeface="Noto Sans CJK KR Black" pitchFamily="34" charset="-127"/>
+                <a:ea typeface="Noto Sans CJK KR Black" pitchFamily="34" charset="-127"/>
+              </a:rPr>
+              <a:t>들을 추출할 수 있는데 대표적인 것 </a:t>
+            </a:r>
+            <a:r>
+              <a:rPr lang="en-US" altLang="ko-KR" sz="2400" dirty="0">
+                <a:solidFill>
+                  <a:schemeClr val="tx1">
+                    <a:lumMod val="75000"/>
+                    <a:lumOff val="25000"/>
+                  </a:schemeClr>
+                </a:solidFill>
+                <a:latin typeface="Noto Sans CJK KR Black" pitchFamily="34" charset="-127"/>
+                <a:ea typeface="Noto Sans CJK KR Black" pitchFamily="34" charset="-127"/>
+              </a:rPr>
+              <a:t>5</a:t>
+            </a:r>
+            <a:r>
+              <a:rPr lang="ko-KR" altLang="en-US" sz="2400" dirty="0">
+                <a:solidFill>
+                  <a:schemeClr val="tx1">
+                    <a:lumMod val="75000"/>
+                    <a:lumOff val="25000"/>
+                  </a:schemeClr>
+                </a:solidFill>
+                <a:latin typeface="Noto Sans CJK KR Black" pitchFamily="34" charset="-127"/>
+                <a:ea typeface="Noto Sans CJK KR Black" pitchFamily="34" charset="-127"/>
+              </a:rPr>
+              <a:t>개를 제시하고</a:t>
+            </a:r>
+            <a:r>
+              <a:rPr lang="en-US" altLang="ko-KR" sz="2400" dirty="0">
+                <a:solidFill>
+                  <a:schemeClr val="tx1">
+                    <a:lumMod val="75000"/>
+                    <a:lumOff val="25000"/>
+                  </a:schemeClr>
+                </a:solidFill>
+                <a:latin typeface="Noto Sans CJK KR Black" pitchFamily="34" charset="-127"/>
+                <a:ea typeface="Noto Sans CJK KR Black" pitchFamily="34" charset="-127"/>
+              </a:rPr>
+              <a:t>, </a:t>
+            </a:r>
+            <a:r>
+              <a:rPr lang="ko-KR" altLang="en-US" sz="2400" dirty="0">
+                <a:solidFill>
+                  <a:schemeClr val="tx1">
+                    <a:lumMod val="75000"/>
+                    <a:lumOff val="25000"/>
+                  </a:schemeClr>
+                </a:solidFill>
+                <a:latin typeface="Noto Sans CJK KR Black" pitchFamily="34" charset="-127"/>
+                <a:ea typeface="Noto Sans CJK KR Black" pitchFamily="34" charset="-127"/>
+              </a:rPr>
+              <a:t>각각 의미를 설명하라</a:t>
+            </a:r>
+            <a:r>
+              <a:rPr lang="en-US" altLang="ko-KR" sz="2400" dirty="0">
+                <a:solidFill>
+                  <a:schemeClr val="tx1">
+                    <a:lumMod val="75000"/>
+                    <a:lumOff val="25000"/>
+                  </a:schemeClr>
+                </a:solidFill>
+                <a:latin typeface="Noto Sans CJK KR Black" pitchFamily="34" charset="-127"/>
+                <a:ea typeface="Noto Sans CJK KR Black" pitchFamily="34" charset="-127"/>
+              </a:rPr>
+              <a:t>.</a:t>
+            </a:r>
+            <a:br>
+              <a:rPr lang="en-US" altLang="ko-KR" sz="2400" dirty="0">
+                <a:solidFill>
+                  <a:schemeClr val="tx1">
+                    <a:lumMod val="75000"/>
+                    <a:lumOff val="25000"/>
+                  </a:schemeClr>
+                </a:solidFill>
+                <a:latin typeface="Noto Sans CJK KR Black" pitchFamily="34" charset="-127"/>
+                <a:ea typeface="Noto Sans CJK KR Black" pitchFamily="34" charset="-127"/>
+              </a:rPr>
+            </a:br>
+            <a:br>
+              <a:rPr lang="en-US" altLang="ko-KR" sz="2400" dirty="0">
+                <a:solidFill>
+                  <a:schemeClr val="tx1">
+                    <a:lumMod val="75000"/>
+                    <a:lumOff val="25000"/>
+                  </a:schemeClr>
+                </a:solidFill>
+                <a:latin typeface="Noto Sans CJK KR Black" pitchFamily="34" charset="-127"/>
+                <a:ea typeface="Noto Sans CJK KR Black" pitchFamily="34" charset="-127"/>
+              </a:rPr>
+            </a:br>
+            <a:br>
+              <a:rPr lang="en-US" altLang="ko-KR" sz="2400" dirty="0">
+                <a:solidFill>
+                  <a:schemeClr val="tx1">
+                    <a:lumMod val="75000"/>
+                    <a:lumOff val="25000"/>
+                  </a:schemeClr>
+                </a:solidFill>
+                <a:latin typeface="Noto Sans CJK KR Black" pitchFamily="34" charset="-127"/>
+                <a:ea typeface="Noto Sans CJK KR Black" pitchFamily="34" charset="-127"/>
+              </a:rPr>
+            </a:br>
+            <a:br>
+              <a:rPr lang="en-US" altLang="ko-KR" sz="2400" dirty="0">
+                <a:solidFill>
+                  <a:schemeClr val="tx1">
+                    <a:lumMod val="75000"/>
+                    <a:lumOff val="25000"/>
+                  </a:schemeClr>
+                </a:solidFill>
+                <a:latin typeface="Noto Sans CJK KR Black" pitchFamily="34" charset="-127"/>
+                <a:ea typeface="Noto Sans CJK KR Black" pitchFamily="34" charset="-127"/>
+              </a:rPr>
+            </a:br>
+            <a:r>
+              <a:rPr lang="en-US" altLang="ko-KR" sz="2400" dirty="0">
+                <a:solidFill>
+                  <a:schemeClr val="tx1">
+                    <a:lumMod val="75000"/>
+                    <a:lumOff val="25000"/>
+                  </a:schemeClr>
+                </a:solidFill>
+                <a:latin typeface="Noto Sans CJK KR Black" pitchFamily="34" charset="-127"/>
+                <a:ea typeface="Noto Sans CJK KR Black" pitchFamily="34" charset="-127"/>
+              </a:rPr>
+              <a:t>3. </a:t>
+            </a:r>
+            <a:r>
+              <a:rPr lang="ko-KR" altLang="en-US" sz="2400" dirty="0">
+                <a:solidFill>
+                  <a:schemeClr val="tx1">
+                    <a:lumMod val="75000"/>
+                    <a:lumOff val="25000"/>
+                  </a:schemeClr>
+                </a:solidFill>
+                <a:latin typeface="Noto Sans CJK KR Black" pitchFamily="34" charset="-127"/>
+                <a:ea typeface="Noto Sans CJK KR Black" pitchFamily="34" charset="-127"/>
+              </a:rPr>
+              <a:t>계절성과 주기의 차이점을 설명하라</a:t>
+            </a:r>
+            <a:r>
+              <a:rPr lang="en-US" altLang="ko-KR" sz="2400" dirty="0">
+                <a:solidFill>
+                  <a:schemeClr val="tx1">
+                    <a:lumMod val="75000"/>
+                    <a:lumOff val="25000"/>
+                  </a:schemeClr>
+                </a:solidFill>
+                <a:latin typeface="Noto Sans CJK KR Black" pitchFamily="34" charset="-127"/>
+                <a:ea typeface="Noto Sans CJK KR Black" pitchFamily="34" charset="-127"/>
+              </a:rPr>
+              <a:t>.</a:t>
+            </a:r>
+            <a:endParaRPr lang="ko-KR" altLang="en-US" sz="3200" dirty="0">
+              <a:solidFill>
+                <a:schemeClr val="tx1">
+                  <a:lumMod val="75000"/>
+                  <a:lumOff val="25000"/>
+                </a:schemeClr>
+              </a:solidFill>
+            </a:endParaRPr>
+          </a:p>
+        </p:txBody>
+      </p:sp>
+      <p:sp>
+        <p:nvSpPr>
+          <p:cNvPr id="3" name="슬라이드 번호 개체 틀 2"/>
+          <p:cNvSpPr>
+            <a:spLocks noGrp="1"/>
+          </p:cNvSpPr>
+          <p:nvPr>
+            <p:ph type="sldNum" sz="quarter" idx="12"/>
+          </p:nvPr>
+        </p:nvSpPr>
+        <p:spPr/>
+        <p:txBody>
+          <a:bodyPr/>
+          <a:lstStyle/>
+          <a:p>
+            <a:fld id="{6DDAE2C3-1A0B-474A-8CE8-AE55B8D9D4B1}" type="slidenum">
+              <a:rPr lang="ko-KR" altLang="en-US" smtClean="0"/>
+              <a:pPr/>
+              <a:t>19</a:t>
+            </a:fld>
+            <a:endParaRPr lang="ko-KR" altLang="en-US" dirty="0"/>
+          </a:p>
+        </p:txBody>
+      </p:sp>
+    </p:spTree>
+    <p:extLst>
+      <p:ext uri="{BB962C8B-B14F-4D97-AF65-F5344CB8AC3E}">
+        <p14:creationId xmlns:p14="http://schemas.microsoft.com/office/powerpoint/2010/main" val="1865954392"/>
+      </p:ext>
+    </p:extLst>
+  </p:cSld>
+  <p:clrMapOvr>
+    <a:masterClrMapping/>
+  </p:clrMapOvr>
+</p:sld>
+</file>
+
+<file path=ppt/slides/slide2.xml><?xml version="1.0" encoding="utf-8"?>
+<p:sld xmlns:a="http://schemas.openxmlformats.org/drawingml/2006/main" xmlns:r="http://schemas.openxmlformats.org/officeDocument/2006/relationships" xmlns:p="http://schemas.openxmlformats.org/presentationml/2006/main">
+  <p:cSld>
+    <p:bg>
+      <p:bgPr>
+        <a:solidFill>
+          <a:schemeClr val="bg1">
+            <a:lumMod val="65000"/>
+          </a:schemeClr>
+        </a:solidFill>
+        <a:effectLst/>
+      </p:bgPr>
+    </p:bg>
+    <p:spTree>
+      <p:nvGrpSpPr>
+        <p:cNvPr id="1" name=""/>
+        <p:cNvGrpSpPr/>
+        <p:nvPr/>
+      </p:nvGrpSpPr>
+      <p:grpSpPr>
+        <a:xfrm>
+          <a:off x="0" y="0"/>
+          <a:ext cx="0" cy="0"/>
+          <a:chOff x="0" y="0"/>
+          <a:chExt cx="0" cy="0"/>
+        </a:xfrm>
+      </p:grpSpPr>
+      <p:sp>
+        <p:nvSpPr>
+          <p:cNvPr id="5" name="슬라이드 번호 개체 틀 3">
+            <a:extLst>
+              <a:ext uri="{FF2B5EF4-FFF2-40B4-BE49-F238E27FC236}">
+                <a16:creationId xmlns:a16="http://schemas.microsoft.com/office/drawing/2014/main" id="{06C3A460-1E7C-43F0-BC0F-938FDC55BD50}"/>
+              </a:ext>
+            </a:extLst>
+          </p:cNvPr>
+          <p:cNvSpPr>
+            <a:spLocks noGrp="1"/>
+          </p:cNvSpPr>
+          <p:nvPr>
+            <p:ph type="sldNum" sz="quarter" idx="12"/>
+          </p:nvPr>
+        </p:nvSpPr>
+        <p:spPr>
+          <a:xfrm>
+            <a:off x="9160679" y="6372598"/>
+            <a:ext cx="2837392" cy="364195"/>
+          </a:xfrm>
+        </p:spPr>
+        <p:txBody>
+          <a:bodyPr/>
+          <a:lstStyle/>
+          <a:p>
+            <a:fld id="{6DDAE2C3-1A0B-474A-8CE8-AE55B8D9D4B1}" type="slidenum">
+              <a:rPr lang="ko-KR" altLang="en-US" smtClean="0"/>
+              <a:pPr/>
+              <a:t>2</a:t>
+            </a:fld>
+            <a:endParaRPr lang="ko-KR" altLang="en-US" dirty="0"/>
+          </a:p>
+        </p:txBody>
+      </p:sp>
+      <p:sp>
+        <p:nvSpPr>
+          <p:cNvPr id="6" name="TextBox 5">
+            <a:extLst>
+              <a:ext uri="{FF2B5EF4-FFF2-40B4-BE49-F238E27FC236}">
+                <a16:creationId xmlns:a16="http://schemas.microsoft.com/office/drawing/2014/main" id="{E3EAE2D0-FDC5-4DC1-8698-FF0EECB52ACF}"/>
+              </a:ext>
+            </a:extLst>
+          </p:cNvPr>
+          <p:cNvSpPr txBox="1"/>
+          <p:nvPr/>
+        </p:nvSpPr>
+        <p:spPr>
+          <a:xfrm>
+            <a:off x="542135" y="855851"/>
+            <a:ext cx="11298630" cy="3016210"/>
+          </a:xfrm>
+          <a:prstGeom prst="rect">
+            <a:avLst/>
+          </a:prstGeom>
+          <a:noFill/>
+        </p:spPr>
+        <p:txBody>
+          <a:bodyPr wrap="square" lIns="0" tIns="0" rIns="0" bIns="0" rtlCol="0" anchor="t">
+            <a:spAutoFit/>
+          </a:bodyPr>
+          <a:lstStyle/>
+          <a:p>
+            <a:r>
+              <a:rPr lang="en-US" altLang="ko-KR" sz="4400" dirty="0">
+                <a:solidFill>
+                  <a:schemeClr val="bg1"/>
+                </a:solidFill>
+                <a:latin typeface="Noto Sans CJK KR Black" panose="020B0A00000000000000" pitchFamily="34" charset="-127"/>
+                <a:ea typeface="Noto Sans CJK KR Black" panose="020B0A00000000000000" pitchFamily="34" charset="-127"/>
+              </a:rPr>
+              <a:t>2</a:t>
+            </a:r>
+            <a:r>
+              <a:rPr lang="ko-KR" altLang="en-US" sz="4400" dirty="0">
+                <a:solidFill>
+                  <a:schemeClr val="bg1"/>
+                </a:solidFill>
+                <a:latin typeface="Noto Sans CJK KR Black" panose="020B0A00000000000000" pitchFamily="34" charset="-127"/>
+                <a:ea typeface="Noto Sans CJK KR Black" panose="020B0A00000000000000" pitchFamily="34" charset="-127"/>
+              </a:rPr>
+              <a:t>주차 강의의 목적</a:t>
+            </a:r>
+            <a:endParaRPr lang="en-US" altLang="ko-KR" sz="4400" dirty="0">
+              <a:solidFill>
+                <a:schemeClr val="bg1"/>
+              </a:solidFill>
+              <a:latin typeface="Noto Sans CJK KR Black" panose="020B0A00000000000000" pitchFamily="34" charset="-127"/>
+              <a:ea typeface="Noto Sans CJK KR Black" panose="020B0A00000000000000" pitchFamily="34" charset="-127"/>
+            </a:endParaRPr>
+          </a:p>
+          <a:p>
+            <a:endParaRPr lang="en-US" altLang="ko-KR" sz="4400" dirty="0">
+              <a:solidFill>
+                <a:schemeClr val="bg1"/>
+              </a:solidFill>
+              <a:latin typeface="Noto Sans CJK KR Black" panose="020B0A00000000000000" pitchFamily="34" charset="-127"/>
+              <a:ea typeface="Noto Sans CJK KR Black" panose="020B0A00000000000000" pitchFamily="34" charset="-127"/>
+            </a:endParaRPr>
+          </a:p>
+          <a:p>
+            <a:endParaRPr lang="en-US" altLang="ko-KR" sz="4400" dirty="0">
+              <a:solidFill>
+                <a:schemeClr val="bg1"/>
+              </a:solidFill>
+              <a:latin typeface="Noto Sans CJK KR Black" panose="020B0A00000000000000" pitchFamily="34" charset="-127"/>
+              <a:ea typeface="Noto Sans CJK KR Black" panose="020B0A00000000000000" pitchFamily="34" charset="-127"/>
+            </a:endParaRPr>
+          </a:p>
+          <a:p>
+            <a:r>
+              <a:rPr lang="en-US" altLang="ko-KR" sz="3200" dirty="0">
+                <a:solidFill>
+                  <a:schemeClr val="bg1"/>
+                </a:solidFill>
+                <a:latin typeface="Noto Sans CJK KR Black" panose="020B0A00000000000000" pitchFamily="34" charset="-127"/>
+                <a:ea typeface="Noto Sans CJK KR Black" panose="020B0A00000000000000" pitchFamily="34" charset="-127"/>
+              </a:rPr>
+              <a:t>“</a:t>
+            </a:r>
+            <a:r>
+              <a:rPr lang="ko-KR" altLang="en-US" sz="3200" dirty="0">
+                <a:solidFill>
+                  <a:schemeClr val="bg1"/>
+                </a:solidFill>
+                <a:latin typeface="Noto Sans CJK KR Black" panose="020B0A00000000000000" pitchFamily="34" charset="-127"/>
+                <a:ea typeface="Noto Sans CJK KR Black" panose="020B0A00000000000000" pitchFamily="34" charset="-127"/>
+              </a:rPr>
+              <a:t>학습방향과 알고리즘</a:t>
+            </a:r>
+            <a:r>
+              <a:rPr lang="en-US" altLang="ko-KR" sz="3200" dirty="0">
+                <a:solidFill>
+                  <a:schemeClr val="bg1"/>
+                </a:solidFill>
+                <a:latin typeface="Noto Sans CJK KR Black" panose="020B0A00000000000000" pitchFamily="34" charset="-127"/>
+                <a:ea typeface="Noto Sans CJK KR Black" panose="020B0A00000000000000" pitchFamily="34" charset="-127"/>
+              </a:rPr>
+              <a:t>“</a:t>
+            </a:r>
+          </a:p>
+          <a:p>
+            <a:r>
+              <a:rPr lang="en-US" altLang="ko-KR" sz="3200" dirty="0">
+                <a:solidFill>
+                  <a:schemeClr val="bg1"/>
+                </a:solidFill>
+                <a:latin typeface="Noto Sans CJK KR Black" panose="020B0A00000000000000" pitchFamily="34" charset="-127"/>
+                <a:ea typeface="Noto Sans CJK KR Black" panose="020B0A00000000000000" pitchFamily="34" charset="-127"/>
+              </a:rPr>
+              <a:t>“</a:t>
+            </a:r>
+            <a:r>
+              <a:rPr lang="ko-KR" altLang="en-US" sz="3200" dirty="0">
+                <a:solidFill>
+                  <a:schemeClr val="bg1"/>
+                </a:solidFill>
+                <a:latin typeface="Noto Sans CJK KR Black" panose="020B0A00000000000000" pitchFamily="34" charset="-127"/>
+                <a:ea typeface="Noto Sans CJK KR Black" panose="020B0A00000000000000" pitchFamily="34" charset="-127"/>
+              </a:rPr>
+              <a:t>시계열 데이터</a:t>
+            </a:r>
+            <a:r>
+              <a:rPr lang="en-US" altLang="ko-KR" sz="3200" dirty="0">
+                <a:solidFill>
+                  <a:schemeClr val="bg1"/>
+                </a:solidFill>
+                <a:latin typeface="Noto Sans CJK KR Black" panose="020B0A00000000000000" pitchFamily="34" charset="-127"/>
+                <a:ea typeface="Noto Sans CJK KR Black" panose="020B0A00000000000000" pitchFamily="34" charset="-127"/>
+              </a:rPr>
+              <a:t>/</a:t>
+            </a:r>
+            <a:r>
+              <a:rPr lang="ko-KR" altLang="en-US" sz="3200" dirty="0">
+                <a:solidFill>
+                  <a:schemeClr val="bg1"/>
+                </a:solidFill>
+                <a:latin typeface="Noto Sans CJK KR Black" panose="020B0A00000000000000" pitchFamily="34" charset="-127"/>
+                <a:ea typeface="Noto Sans CJK KR Black" panose="020B0A00000000000000" pitchFamily="34" charset="-127"/>
+              </a:rPr>
+              <a:t>분석과 기계학습의 차이</a:t>
+            </a:r>
+            <a:r>
+              <a:rPr lang="en-US" altLang="ko-KR" sz="3200" dirty="0">
+                <a:solidFill>
+                  <a:schemeClr val="bg1"/>
+                </a:solidFill>
+                <a:latin typeface="Noto Sans CJK KR Black" panose="020B0A00000000000000" pitchFamily="34" charset="-127"/>
+                <a:ea typeface="Noto Sans CJK KR Black" panose="020B0A00000000000000" pitchFamily="34" charset="-127"/>
+              </a:rPr>
+              <a:t>”</a:t>
+            </a:r>
+          </a:p>
+        </p:txBody>
+      </p:sp>
+      <p:sp>
+        <p:nvSpPr>
+          <p:cNvPr id="7" name="TextBox 6">
+            <a:extLst>
+              <a:ext uri="{FF2B5EF4-FFF2-40B4-BE49-F238E27FC236}">
+                <a16:creationId xmlns:a16="http://schemas.microsoft.com/office/drawing/2014/main" id="{AAFD912D-124D-4D6A-9A20-3B0F41150374}"/>
+              </a:ext>
+            </a:extLst>
+          </p:cNvPr>
+          <p:cNvSpPr txBox="1"/>
+          <p:nvPr/>
+        </p:nvSpPr>
+        <p:spPr>
+          <a:xfrm>
+            <a:off x="4783981" y="611957"/>
+            <a:ext cx="7056784" cy="216726"/>
+          </a:xfrm>
+          <a:prstGeom prst="rect">
+            <a:avLst/>
+          </a:prstGeom>
+          <a:noFill/>
+        </p:spPr>
+        <p:txBody>
+          <a:bodyPr wrap="square" lIns="0" tIns="0" rIns="0" bIns="0" rtlCol="0" anchor="t">
+            <a:spAutoFit/>
+          </a:bodyPr>
+          <a:lstStyle/>
+          <a:p>
+            <a:pPr>
+              <a:lnSpc>
+                <a:spcPct val="150000"/>
+              </a:lnSpc>
+            </a:pPr>
+            <a:endParaRPr lang="en-US" altLang="ko-KR" sz="1050" dirty="0">
+              <a:solidFill>
+                <a:schemeClr val="bg1"/>
+              </a:solidFill>
+              <a:latin typeface="Noto Sans CJK KR Medium" panose="020B0600000000000000" pitchFamily="34" charset="-127"/>
+              <a:ea typeface="Noto Sans CJK KR Medium" panose="020B0600000000000000" pitchFamily="34" charset="-127"/>
+            </a:endParaRPr>
+          </a:p>
+        </p:txBody>
+      </p:sp>
+    </p:spTree>
+    <p:extLst>
+      <p:ext uri="{BB962C8B-B14F-4D97-AF65-F5344CB8AC3E}">
+        <p14:creationId xmlns:p14="http://schemas.microsoft.com/office/powerpoint/2010/main" val="986375043"/>
+      </p:ext>
+    </p:extLst>
+  </p:cSld>
+  <p:clrMapOvr>
+    <a:masterClrMapping/>
+  </p:clrMapOvr>
+</p:sld>
+</file>
+
+<file path=ppt/slides/slide20.xml><?xml version="1.0" encoding="utf-8"?>
+<p:sld xmlns:a="http://schemas.openxmlformats.org/drawingml/2006/main" xmlns:r="http://schemas.openxmlformats.org/officeDocument/2006/relationships" xmlns:p="http://schemas.openxmlformats.org/presentationml/2006/main">
+  <p:cSld>
+    <p:spTree>
+      <p:nvGrpSpPr>
+        <p:cNvPr id="1" name=""/>
+        <p:cNvGrpSpPr/>
+        <p:nvPr/>
+      </p:nvGrpSpPr>
+      <p:grpSpPr>
+        <a:xfrm>
+          <a:off x="0" y="0"/>
+          <a:ext cx="0" cy="0"/>
+          <a:chOff x="0" y="0"/>
+          <a:chExt cx="0" cy="0"/>
+        </a:xfrm>
+      </p:grpSpPr>
+      <p:sp>
+        <p:nvSpPr>
           <p:cNvPr id="6" name="직사각형 5"/>
           <p:cNvSpPr/>
           <p:nvPr/>
@@ -6038,284 +6785,6 @@
     <p:extLst>
       <p:ext uri="{BB962C8B-B14F-4D97-AF65-F5344CB8AC3E}">
         <p14:creationId xmlns:p14="http://schemas.microsoft.com/office/powerpoint/2010/main" val="3523919720"/>
-      </p:ext>
-    </p:extLst>
-  </p:cSld>
-  <p:clrMapOvr>
-    <a:masterClrMapping/>
-  </p:clrMapOvr>
-</p:sld>
-</file>
-
-<file path=ppt/slides/slide2.xml><?xml version="1.0" encoding="utf-8"?>
-<p:sld xmlns:a="http://schemas.openxmlformats.org/drawingml/2006/main" xmlns:r="http://schemas.openxmlformats.org/officeDocument/2006/relationships" xmlns:p="http://schemas.openxmlformats.org/presentationml/2006/main">
-  <p:cSld>
-    <p:bg>
-      <p:bgPr>
-        <a:solidFill>
-          <a:schemeClr val="bg1">
-            <a:lumMod val="65000"/>
-          </a:schemeClr>
-        </a:solidFill>
-        <a:effectLst/>
-      </p:bgPr>
-    </p:bg>
-    <p:spTree>
-      <p:nvGrpSpPr>
-        <p:cNvPr id="1" name=""/>
-        <p:cNvGrpSpPr/>
-        <p:nvPr/>
-      </p:nvGrpSpPr>
-      <p:grpSpPr>
-        <a:xfrm>
-          <a:off x="0" y="0"/>
-          <a:ext cx="0" cy="0"/>
-          <a:chOff x="0" y="0"/>
-          <a:chExt cx="0" cy="0"/>
-        </a:xfrm>
-      </p:grpSpPr>
-      <p:sp>
-        <p:nvSpPr>
-          <p:cNvPr id="5" name="슬라이드 번호 개체 틀 3">
-            <a:extLst>
-              <a:ext uri="{FF2B5EF4-FFF2-40B4-BE49-F238E27FC236}">
-                <a16:creationId xmlns:a16="http://schemas.microsoft.com/office/drawing/2014/main" id="{06C3A460-1E7C-43F0-BC0F-938FDC55BD50}"/>
-              </a:ext>
-            </a:extLst>
-          </p:cNvPr>
-          <p:cNvSpPr>
-            <a:spLocks noGrp="1"/>
-          </p:cNvSpPr>
-          <p:nvPr>
-            <p:ph type="sldNum" sz="quarter" idx="12"/>
-          </p:nvPr>
-        </p:nvSpPr>
-        <p:spPr>
-          <a:xfrm>
-            <a:off x="9160679" y="6372598"/>
-            <a:ext cx="2837392" cy="364195"/>
-          </a:xfrm>
-        </p:spPr>
-        <p:txBody>
-          <a:bodyPr/>
-          <a:lstStyle/>
-          <a:p>
-            <a:fld id="{6DDAE2C3-1A0B-474A-8CE8-AE55B8D9D4B1}" type="slidenum">
-              <a:rPr lang="ko-KR" altLang="en-US" smtClean="0"/>
-              <a:pPr/>
-              <a:t>2</a:t>
-            </a:fld>
-            <a:endParaRPr lang="ko-KR" altLang="en-US" dirty="0"/>
-          </a:p>
-        </p:txBody>
-      </p:sp>
-      <p:sp>
-        <p:nvSpPr>
-          <p:cNvPr id="6" name="TextBox 5">
-            <a:extLst>
-              <a:ext uri="{FF2B5EF4-FFF2-40B4-BE49-F238E27FC236}">
-                <a16:creationId xmlns:a16="http://schemas.microsoft.com/office/drawing/2014/main" id="{E3EAE2D0-FDC5-4DC1-8698-FF0EECB52ACF}"/>
-              </a:ext>
-            </a:extLst>
-          </p:cNvPr>
-          <p:cNvSpPr txBox="1"/>
-          <p:nvPr/>
-        </p:nvSpPr>
-        <p:spPr>
-          <a:xfrm>
-            <a:off x="542135" y="855851"/>
-            <a:ext cx="11298630" cy="3016210"/>
-          </a:xfrm>
-          <a:prstGeom prst="rect">
-            <a:avLst/>
-          </a:prstGeom>
-          <a:noFill/>
-        </p:spPr>
-        <p:txBody>
-          <a:bodyPr wrap="square" lIns="0" tIns="0" rIns="0" bIns="0" rtlCol="0" anchor="t">
-            <a:spAutoFit/>
-          </a:bodyPr>
-          <a:lstStyle/>
-          <a:p>
-            <a:r>
-              <a:rPr lang="en-US" altLang="ko-KR" sz="4400" dirty="0">
-                <a:solidFill>
-                  <a:schemeClr val="bg1"/>
-                </a:solidFill>
-                <a:latin typeface="Noto Sans CJK KR Black" panose="020B0A00000000000000" pitchFamily="34" charset="-127"/>
-                <a:ea typeface="Noto Sans CJK KR Black" panose="020B0A00000000000000" pitchFamily="34" charset="-127"/>
-              </a:rPr>
-              <a:t>2</a:t>
-            </a:r>
-            <a:r>
-              <a:rPr lang="ko-KR" altLang="en-US" sz="4400" dirty="0">
-                <a:solidFill>
-                  <a:schemeClr val="bg1"/>
-                </a:solidFill>
-                <a:latin typeface="Noto Sans CJK KR Black" panose="020B0A00000000000000" pitchFamily="34" charset="-127"/>
-                <a:ea typeface="Noto Sans CJK KR Black" panose="020B0A00000000000000" pitchFamily="34" charset="-127"/>
-              </a:rPr>
-              <a:t>주차 강의의 목적</a:t>
-            </a:r>
-            <a:endParaRPr lang="en-US" altLang="ko-KR" sz="4400" dirty="0">
-              <a:solidFill>
-                <a:schemeClr val="bg1"/>
-              </a:solidFill>
-              <a:latin typeface="Noto Sans CJK KR Black" panose="020B0A00000000000000" pitchFamily="34" charset="-127"/>
-              <a:ea typeface="Noto Sans CJK KR Black" panose="020B0A00000000000000" pitchFamily="34" charset="-127"/>
-            </a:endParaRPr>
-          </a:p>
-          <a:p>
-            <a:endParaRPr lang="en-US" altLang="ko-KR" sz="4400" dirty="0">
-              <a:solidFill>
-                <a:schemeClr val="bg1"/>
-              </a:solidFill>
-              <a:latin typeface="Noto Sans CJK KR Black" panose="020B0A00000000000000" pitchFamily="34" charset="-127"/>
-              <a:ea typeface="Noto Sans CJK KR Black" panose="020B0A00000000000000" pitchFamily="34" charset="-127"/>
-            </a:endParaRPr>
-          </a:p>
-          <a:p>
-            <a:endParaRPr lang="en-US" altLang="ko-KR" sz="4400" dirty="0">
-              <a:solidFill>
-                <a:schemeClr val="bg1"/>
-              </a:solidFill>
-              <a:latin typeface="Noto Sans CJK KR Black" panose="020B0A00000000000000" pitchFamily="34" charset="-127"/>
-              <a:ea typeface="Noto Sans CJK KR Black" panose="020B0A00000000000000" pitchFamily="34" charset="-127"/>
-            </a:endParaRPr>
-          </a:p>
-          <a:p>
-            <a:r>
-              <a:rPr lang="en-US" altLang="ko-KR" sz="3200" dirty="0">
-                <a:solidFill>
-                  <a:schemeClr val="bg1"/>
-                </a:solidFill>
-                <a:latin typeface="Noto Sans CJK KR Black" panose="020B0A00000000000000" pitchFamily="34" charset="-127"/>
-                <a:ea typeface="Noto Sans CJK KR Black" panose="020B0A00000000000000" pitchFamily="34" charset="-127"/>
-              </a:rPr>
-              <a:t>“</a:t>
-            </a:r>
-            <a:r>
-              <a:rPr lang="ko-KR" altLang="en-US" sz="3200" dirty="0">
-                <a:solidFill>
-                  <a:schemeClr val="bg1"/>
-                </a:solidFill>
-                <a:latin typeface="Noto Sans CJK KR Black" panose="020B0A00000000000000" pitchFamily="34" charset="-127"/>
-                <a:ea typeface="Noto Sans CJK KR Black" panose="020B0A00000000000000" pitchFamily="34" charset="-127"/>
-              </a:rPr>
-              <a:t>학습방향과 알고리즘</a:t>
-            </a:r>
-            <a:r>
-              <a:rPr lang="en-US" altLang="ko-KR" sz="3200" dirty="0">
-                <a:solidFill>
-                  <a:schemeClr val="bg1"/>
-                </a:solidFill>
-                <a:latin typeface="Noto Sans CJK KR Black" panose="020B0A00000000000000" pitchFamily="34" charset="-127"/>
-                <a:ea typeface="Noto Sans CJK KR Black" panose="020B0A00000000000000" pitchFamily="34" charset="-127"/>
-              </a:rPr>
-              <a:t>“</a:t>
-            </a:r>
-          </a:p>
-          <a:p>
-            <a:r>
-              <a:rPr lang="en-US" altLang="ko-KR" sz="3200" dirty="0">
-                <a:solidFill>
-                  <a:schemeClr val="bg1"/>
-                </a:solidFill>
-                <a:latin typeface="Noto Sans CJK KR Black" panose="020B0A00000000000000" pitchFamily="34" charset="-127"/>
-                <a:ea typeface="Noto Sans CJK KR Black" panose="020B0A00000000000000" pitchFamily="34" charset="-127"/>
-              </a:rPr>
-              <a:t>“</a:t>
-            </a:r>
-            <a:r>
-              <a:rPr lang="ko-KR" altLang="en-US" sz="3200" dirty="0">
-                <a:solidFill>
-                  <a:schemeClr val="bg1"/>
-                </a:solidFill>
-                <a:latin typeface="Noto Sans CJK KR Black" panose="020B0A00000000000000" pitchFamily="34" charset="-127"/>
-                <a:ea typeface="Noto Sans CJK KR Black" panose="020B0A00000000000000" pitchFamily="34" charset="-127"/>
-              </a:rPr>
-              <a:t>시계열 데이터</a:t>
-            </a:r>
-            <a:r>
-              <a:rPr lang="en-US" altLang="ko-KR" sz="3200" dirty="0">
-                <a:solidFill>
-                  <a:schemeClr val="bg1"/>
-                </a:solidFill>
-                <a:latin typeface="Noto Sans CJK KR Black" panose="020B0A00000000000000" pitchFamily="34" charset="-127"/>
-                <a:ea typeface="Noto Sans CJK KR Black" panose="020B0A00000000000000" pitchFamily="34" charset="-127"/>
-              </a:rPr>
-              <a:t>/</a:t>
-            </a:r>
-            <a:r>
-              <a:rPr lang="ko-KR" altLang="en-US" sz="3200" dirty="0">
-                <a:solidFill>
-                  <a:schemeClr val="bg1"/>
-                </a:solidFill>
-                <a:latin typeface="Noto Sans CJK KR Black" panose="020B0A00000000000000" pitchFamily="34" charset="-127"/>
-                <a:ea typeface="Noto Sans CJK KR Black" panose="020B0A00000000000000" pitchFamily="34" charset="-127"/>
-              </a:rPr>
-              <a:t>분석과 기계학습의 차이</a:t>
-            </a:r>
-            <a:r>
-              <a:rPr lang="en-US" altLang="ko-KR" sz="3200" dirty="0">
-                <a:solidFill>
-                  <a:schemeClr val="bg1"/>
-                </a:solidFill>
-                <a:latin typeface="Noto Sans CJK KR Black" panose="020B0A00000000000000" pitchFamily="34" charset="-127"/>
-                <a:ea typeface="Noto Sans CJK KR Black" panose="020B0A00000000000000" pitchFamily="34" charset="-127"/>
-              </a:rPr>
-              <a:t>”</a:t>
-            </a:r>
-          </a:p>
-        </p:txBody>
-      </p:sp>
-      <p:sp>
-        <p:nvSpPr>
-          <p:cNvPr id="7" name="TextBox 6">
-            <a:extLst>
-              <a:ext uri="{FF2B5EF4-FFF2-40B4-BE49-F238E27FC236}">
-                <a16:creationId xmlns:a16="http://schemas.microsoft.com/office/drawing/2014/main" id="{AAFD912D-124D-4D6A-9A20-3B0F41150374}"/>
-              </a:ext>
-            </a:extLst>
-          </p:cNvPr>
-          <p:cNvSpPr txBox="1"/>
-          <p:nvPr/>
-        </p:nvSpPr>
-        <p:spPr>
-          <a:xfrm>
-            <a:off x="4783981" y="611957"/>
-            <a:ext cx="7056784" cy="216726"/>
-          </a:xfrm>
-          <a:prstGeom prst="rect">
-            <a:avLst/>
-          </a:prstGeom>
-          <a:noFill/>
-        </p:spPr>
-        <p:txBody>
-          <a:bodyPr wrap="square" lIns="0" tIns="0" rIns="0" bIns="0" rtlCol="0" anchor="t">
-            <a:spAutoFit/>
-          </a:bodyPr>
-          <a:lstStyle/>
-          <a:p>
-            <a:pPr>
-              <a:lnSpc>
-                <a:spcPct val="150000"/>
-              </a:lnSpc>
-            </a:pPr>
-            <a:endParaRPr lang="en-US" altLang="ko-KR" sz="1050" dirty="0">
-              <a:solidFill>
-                <a:schemeClr val="bg1"/>
-              </a:solidFill>
-              <a:latin typeface="Noto Sans CJK KR Medium" panose="020B0600000000000000" pitchFamily="34" charset="-127"/>
-              <a:ea typeface="Noto Sans CJK KR Medium" panose="020B0600000000000000" pitchFamily="34" charset="-127"/>
-            </a:endParaRPr>
-          </a:p>
-        </p:txBody>
-      </p:sp>
-    </p:spTree>
-    <p:extLst>
-      <p:ext uri="{BB962C8B-B14F-4D97-AF65-F5344CB8AC3E}">
-        <p14:creationId xmlns:p14="http://schemas.microsoft.com/office/powerpoint/2010/main" val="986375043"/>
       </p:ext>
     </p:extLst>
   </p:cSld>
